--- a/docs/clock.pptx
+++ b/docs/clock.pptx
@@ -253,7 +253,7 @@
           <a:p>
             <a:fld id="{27EE75E1-870E-4356-88E8-D47C7AD09D5D}" type="datetimeFigureOut">
               <a:rPr lang="en-US" smtClean="0"/>
-              <a:t>6/15/2019</a:t>
+              <a:t>7/14/2019</a:t>
             </a:fld>
             <a:endParaRPr lang="en-US"/>
           </a:p>
@@ -423,7 +423,7 @@
           <a:p>
             <a:fld id="{27EE75E1-870E-4356-88E8-D47C7AD09D5D}" type="datetimeFigureOut">
               <a:rPr lang="en-US" smtClean="0"/>
-              <a:t>6/15/2019</a:t>
+              <a:t>7/14/2019</a:t>
             </a:fld>
             <a:endParaRPr lang="en-US"/>
           </a:p>
@@ -603,7 +603,7 @@
           <a:p>
             <a:fld id="{27EE75E1-870E-4356-88E8-D47C7AD09D5D}" type="datetimeFigureOut">
               <a:rPr lang="en-US" smtClean="0"/>
-              <a:t>6/15/2019</a:t>
+              <a:t>7/14/2019</a:t>
             </a:fld>
             <a:endParaRPr lang="en-US"/>
           </a:p>
@@ -773,7 +773,7 @@
           <a:p>
             <a:fld id="{27EE75E1-870E-4356-88E8-D47C7AD09D5D}" type="datetimeFigureOut">
               <a:rPr lang="en-US" smtClean="0"/>
-              <a:t>6/15/2019</a:t>
+              <a:t>7/14/2019</a:t>
             </a:fld>
             <a:endParaRPr lang="en-US"/>
           </a:p>
@@ -1019,7 +1019,7 @@
           <a:p>
             <a:fld id="{27EE75E1-870E-4356-88E8-D47C7AD09D5D}" type="datetimeFigureOut">
               <a:rPr lang="en-US" smtClean="0"/>
-              <a:t>6/15/2019</a:t>
+              <a:t>7/14/2019</a:t>
             </a:fld>
             <a:endParaRPr lang="en-US"/>
           </a:p>
@@ -1251,7 +1251,7 @@
           <a:p>
             <a:fld id="{27EE75E1-870E-4356-88E8-D47C7AD09D5D}" type="datetimeFigureOut">
               <a:rPr lang="en-US" smtClean="0"/>
-              <a:t>6/15/2019</a:t>
+              <a:t>7/14/2019</a:t>
             </a:fld>
             <a:endParaRPr lang="en-US"/>
           </a:p>
@@ -1618,7 +1618,7 @@
           <a:p>
             <a:fld id="{27EE75E1-870E-4356-88E8-D47C7AD09D5D}" type="datetimeFigureOut">
               <a:rPr lang="en-US" smtClean="0"/>
-              <a:t>6/15/2019</a:t>
+              <a:t>7/14/2019</a:t>
             </a:fld>
             <a:endParaRPr lang="en-US"/>
           </a:p>
@@ -1736,7 +1736,7 @@
           <a:p>
             <a:fld id="{27EE75E1-870E-4356-88E8-D47C7AD09D5D}" type="datetimeFigureOut">
               <a:rPr lang="en-US" smtClean="0"/>
-              <a:t>6/15/2019</a:t>
+              <a:t>7/14/2019</a:t>
             </a:fld>
             <a:endParaRPr lang="en-US"/>
           </a:p>
@@ -1831,7 +1831,7 @@
           <a:p>
             <a:fld id="{27EE75E1-870E-4356-88E8-D47C7AD09D5D}" type="datetimeFigureOut">
               <a:rPr lang="en-US" smtClean="0"/>
-              <a:t>6/15/2019</a:t>
+              <a:t>7/14/2019</a:t>
             </a:fld>
             <a:endParaRPr lang="en-US"/>
           </a:p>
@@ -2108,7 +2108,7 @@
           <a:p>
             <a:fld id="{27EE75E1-870E-4356-88E8-D47C7AD09D5D}" type="datetimeFigureOut">
               <a:rPr lang="en-US" smtClean="0"/>
-              <a:t>6/15/2019</a:t>
+              <a:t>7/14/2019</a:t>
             </a:fld>
             <a:endParaRPr lang="en-US"/>
           </a:p>
@@ -2361,7 +2361,7 @@
           <a:p>
             <a:fld id="{27EE75E1-870E-4356-88E8-D47C7AD09D5D}" type="datetimeFigureOut">
               <a:rPr lang="en-US" smtClean="0"/>
-              <a:t>6/15/2019</a:t>
+              <a:t>7/14/2019</a:t>
             </a:fld>
             <a:endParaRPr lang="en-US"/>
           </a:p>
@@ -2574,7 +2574,7 @@
           <a:p>
             <a:fld id="{27EE75E1-870E-4356-88E8-D47C7AD09D5D}" type="datetimeFigureOut">
               <a:rPr lang="en-US" smtClean="0"/>
-              <a:t>6/15/2019</a:t>
+              <a:t>7/14/2019</a:t>
             </a:fld>
             <a:endParaRPr lang="en-US"/>
           </a:p>
@@ -11191,6 +11191,840 @@
           <a:chExt cx="0" cy="0"/>
         </a:xfrm>
       </p:grpSpPr>
+      <p:sp>
+        <p:nvSpPr>
+          <p:cNvPr id="3" name="Rectangle 2"/>
+          <p:cNvSpPr/>
+          <p:nvPr/>
+        </p:nvSpPr>
+        <p:spPr>
+          <a:xfrm>
+            <a:off x="4110445" y="1576251"/>
+            <a:ext cx="4894217" cy="3718560"/>
+          </a:xfrm>
+          <a:prstGeom prst="rect">
+            <a:avLst/>
+          </a:prstGeom>
+          <a:noFill/>
+        </p:spPr>
+        <p:style>
+          <a:lnRef idx="2">
+            <a:schemeClr val="accent1">
+              <a:shade val="50000"/>
+            </a:schemeClr>
+          </a:lnRef>
+          <a:fillRef idx="1">
+            <a:schemeClr val="accent1"/>
+          </a:fillRef>
+          <a:effectRef idx="0">
+            <a:schemeClr val="accent1"/>
+          </a:effectRef>
+          <a:fontRef idx="minor">
+            <a:schemeClr val="lt1"/>
+          </a:fontRef>
+        </p:style>
+        <p:txBody>
+          <a:bodyPr rtlCol="0" anchor="ctr"/>
+          <a:lstStyle/>
+          <a:p>
+            <a:pPr algn="ctr"/>
+            <a:endParaRPr lang="en-US"/>
+          </a:p>
+        </p:txBody>
+      </p:sp>
+      <p:cxnSp>
+        <p:nvCxnSpPr>
+          <p:cNvPr id="4" name="Straight Arrow Connector 3"/>
+          <p:cNvCxnSpPr/>
+          <p:nvPr/>
+        </p:nvCxnSpPr>
+        <p:spPr>
+          <a:xfrm flipH="1">
+            <a:off x="3614057" y="1576251"/>
+            <a:ext cx="34834" cy="3718560"/>
+          </a:xfrm>
+          <a:prstGeom prst="straightConnector1">
+            <a:avLst/>
+          </a:prstGeom>
+          <a:ln>
+            <a:headEnd type="triangle"/>
+            <a:tailEnd type="triangle"/>
+          </a:ln>
+        </p:spPr>
+        <p:style>
+          <a:lnRef idx="1">
+            <a:schemeClr val="accent1"/>
+          </a:lnRef>
+          <a:fillRef idx="0">
+            <a:schemeClr val="accent1"/>
+          </a:fillRef>
+          <a:effectRef idx="0">
+            <a:schemeClr val="accent1"/>
+          </a:effectRef>
+          <a:fontRef idx="minor">
+            <a:schemeClr val="tx1"/>
+          </a:fontRef>
+        </p:style>
+      </p:cxnSp>
+      <p:cxnSp>
+        <p:nvCxnSpPr>
+          <p:cNvPr id="5" name="Straight Arrow Connector 4"/>
+          <p:cNvCxnSpPr/>
+          <p:nvPr/>
+        </p:nvCxnSpPr>
+        <p:spPr>
+          <a:xfrm>
+            <a:off x="4110445" y="5529943"/>
+            <a:ext cx="4955178" cy="8708"/>
+          </a:xfrm>
+          <a:prstGeom prst="straightConnector1">
+            <a:avLst/>
+          </a:prstGeom>
+          <a:ln>
+            <a:headEnd type="triangle"/>
+            <a:tailEnd type="triangle"/>
+          </a:ln>
+        </p:spPr>
+        <p:style>
+          <a:lnRef idx="1">
+            <a:schemeClr val="accent1"/>
+          </a:lnRef>
+          <a:fillRef idx="0">
+            <a:schemeClr val="accent1"/>
+          </a:fillRef>
+          <a:effectRef idx="0">
+            <a:schemeClr val="accent1"/>
+          </a:effectRef>
+          <a:fontRef idx="minor">
+            <a:schemeClr val="tx1"/>
+          </a:fontRef>
+        </p:style>
+      </p:cxnSp>
+      <p:sp>
+        <p:nvSpPr>
+          <p:cNvPr id="6" name="TextBox 5"/>
+          <p:cNvSpPr txBox="1"/>
+          <p:nvPr/>
+        </p:nvSpPr>
+        <p:spPr>
+          <a:xfrm>
+            <a:off x="2551612" y="2743200"/>
+            <a:ext cx="1062446" cy="369332"/>
+          </a:xfrm>
+          <a:prstGeom prst="rect">
+            <a:avLst/>
+          </a:prstGeom>
+          <a:noFill/>
+        </p:spPr>
+        <p:txBody>
+          <a:bodyPr wrap="square" rtlCol="0">
+            <a:spAutoFit/>
+          </a:bodyPr>
+          <a:lstStyle/>
+          <a:p>
+            <a:r>
+              <a:rPr lang="en-US" dirty="0" smtClean="0"/>
+              <a:t>45mm</a:t>
+            </a:r>
+            <a:endParaRPr lang="en-US" dirty="0"/>
+          </a:p>
+        </p:txBody>
+      </p:sp>
+      <p:sp>
+        <p:nvSpPr>
+          <p:cNvPr id="7" name="TextBox 6"/>
+          <p:cNvSpPr txBox="1"/>
+          <p:nvPr/>
+        </p:nvSpPr>
+        <p:spPr>
+          <a:xfrm>
+            <a:off x="6026330" y="5529943"/>
+            <a:ext cx="1062446" cy="369332"/>
+          </a:xfrm>
+          <a:prstGeom prst="rect">
+            <a:avLst/>
+          </a:prstGeom>
+          <a:noFill/>
+        </p:spPr>
+        <p:txBody>
+          <a:bodyPr wrap="square" rtlCol="0">
+            <a:spAutoFit/>
+          </a:bodyPr>
+          <a:lstStyle/>
+          <a:p>
+            <a:r>
+              <a:rPr lang="en-US" dirty="0" smtClean="0"/>
+              <a:t>49mm</a:t>
+            </a:r>
+            <a:endParaRPr lang="en-US" dirty="0"/>
+          </a:p>
+        </p:txBody>
+      </p:sp>
+      <p:sp>
+        <p:nvSpPr>
+          <p:cNvPr id="8" name="Oval 7"/>
+          <p:cNvSpPr/>
+          <p:nvPr/>
+        </p:nvSpPr>
+        <p:spPr>
+          <a:xfrm>
+            <a:off x="4241073" y="3327275"/>
+            <a:ext cx="200297" cy="184666"/>
+          </a:xfrm>
+          <a:prstGeom prst="ellipse">
+            <a:avLst/>
+          </a:prstGeom>
+          <a:noFill/>
+        </p:spPr>
+        <p:style>
+          <a:lnRef idx="2">
+            <a:schemeClr val="accent1">
+              <a:shade val="50000"/>
+            </a:schemeClr>
+          </a:lnRef>
+          <a:fillRef idx="1">
+            <a:schemeClr val="accent1"/>
+          </a:fillRef>
+          <a:effectRef idx="0">
+            <a:schemeClr val="accent1"/>
+          </a:effectRef>
+          <a:fontRef idx="minor">
+            <a:schemeClr val="lt1"/>
+          </a:fontRef>
+        </p:style>
+        <p:txBody>
+          <a:bodyPr rtlCol="0" anchor="ctr"/>
+          <a:lstStyle/>
+          <a:p>
+            <a:pPr algn="ctr"/>
+            <a:endParaRPr lang="en-US"/>
+          </a:p>
+        </p:txBody>
+      </p:sp>
+      <p:sp>
+        <p:nvSpPr>
+          <p:cNvPr id="9" name="Oval 8"/>
+          <p:cNvSpPr/>
+          <p:nvPr/>
+        </p:nvSpPr>
+        <p:spPr>
+          <a:xfrm>
+            <a:off x="6457404" y="1747855"/>
+            <a:ext cx="200297" cy="184666"/>
+          </a:xfrm>
+          <a:prstGeom prst="ellipse">
+            <a:avLst/>
+          </a:prstGeom>
+          <a:noFill/>
+        </p:spPr>
+        <p:style>
+          <a:lnRef idx="2">
+            <a:schemeClr val="accent1">
+              <a:shade val="50000"/>
+            </a:schemeClr>
+          </a:lnRef>
+          <a:fillRef idx="1">
+            <a:schemeClr val="accent1"/>
+          </a:fillRef>
+          <a:effectRef idx="0">
+            <a:schemeClr val="accent1"/>
+          </a:effectRef>
+          <a:fontRef idx="minor">
+            <a:schemeClr val="lt1"/>
+          </a:fontRef>
+        </p:style>
+        <p:txBody>
+          <a:bodyPr rtlCol="0" anchor="ctr"/>
+          <a:lstStyle/>
+          <a:p>
+            <a:pPr algn="ctr"/>
+            <a:endParaRPr lang="en-US"/>
+          </a:p>
+        </p:txBody>
+      </p:sp>
+      <p:sp>
+        <p:nvSpPr>
+          <p:cNvPr id="10" name="Oval 9"/>
+          <p:cNvSpPr/>
+          <p:nvPr/>
+        </p:nvSpPr>
+        <p:spPr>
+          <a:xfrm>
+            <a:off x="7646128" y="3847206"/>
+            <a:ext cx="200297" cy="184666"/>
+          </a:xfrm>
+          <a:prstGeom prst="ellipse">
+            <a:avLst/>
+          </a:prstGeom>
+          <a:noFill/>
+        </p:spPr>
+        <p:style>
+          <a:lnRef idx="2">
+            <a:schemeClr val="accent1">
+              <a:shade val="50000"/>
+            </a:schemeClr>
+          </a:lnRef>
+          <a:fillRef idx="1">
+            <a:schemeClr val="accent1"/>
+          </a:fillRef>
+          <a:effectRef idx="0">
+            <a:schemeClr val="accent1"/>
+          </a:effectRef>
+          <a:fontRef idx="minor">
+            <a:schemeClr val="lt1"/>
+          </a:fontRef>
+        </p:style>
+        <p:txBody>
+          <a:bodyPr rtlCol="0" anchor="ctr"/>
+          <a:lstStyle/>
+          <a:p>
+            <a:pPr algn="ctr"/>
+            <a:endParaRPr lang="en-US"/>
+          </a:p>
+        </p:txBody>
+      </p:sp>
+      <p:sp>
+        <p:nvSpPr>
+          <p:cNvPr id="11" name="TextBox 10"/>
+          <p:cNvSpPr txBox="1"/>
+          <p:nvPr/>
+        </p:nvSpPr>
+        <p:spPr>
+          <a:xfrm>
+            <a:off x="5120639" y="418011"/>
+            <a:ext cx="3065417" cy="369332"/>
+          </a:xfrm>
+          <a:prstGeom prst="rect">
+            <a:avLst/>
+          </a:prstGeom>
+          <a:noFill/>
+        </p:spPr>
+        <p:txBody>
+          <a:bodyPr wrap="square" rtlCol="0">
+            <a:spAutoFit/>
+          </a:bodyPr>
+          <a:lstStyle/>
+          <a:p>
+            <a:r>
+              <a:rPr lang="en-US" dirty="0" smtClean="0"/>
+              <a:t>#4, 2.97mm screw -&gt; use 3.5</a:t>
+            </a:r>
+            <a:endParaRPr lang="en-US" dirty="0"/>
+          </a:p>
+        </p:txBody>
+      </p:sp>
+      <p:sp>
+        <p:nvSpPr>
+          <p:cNvPr id="12" name="TextBox 11"/>
+          <p:cNvSpPr txBox="1"/>
+          <p:nvPr/>
+        </p:nvSpPr>
+        <p:spPr>
+          <a:xfrm>
+            <a:off x="4415246" y="4180505"/>
+            <a:ext cx="1062446" cy="369332"/>
+          </a:xfrm>
+          <a:prstGeom prst="rect">
+            <a:avLst/>
+          </a:prstGeom>
+          <a:noFill/>
+        </p:spPr>
+        <p:txBody>
+          <a:bodyPr wrap="square" rtlCol="0">
+            <a:spAutoFit/>
+          </a:bodyPr>
+          <a:lstStyle/>
+          <a:p>
+            <a:r>
+              <a:rPr lang="en-US" dirty="0" smtClean="0"/>
+              <a:t>22.5mm</a:t>
+            </a:r>
+            <a:endParaRPr lang="en-US" dirty="0"/>
+          </a:p>
+        </p:txBody>
+      </p:sp>
+      <p:cxnSp>
+        <p:nvCxnSpPr>
+          <p:cNvPr id="13" name="Straight Arrow Connector 12"/>
+          <p:cNvCxnSpPr/>
+          <p:nvPr/>
+        </p:nvCxnSpPr>
+        <p:spPr>
+          <a:xfrm>
+            <a:off x="4110445" y="3256112"/>
+            <a:ext cx="230777" cy="0"/>
+          </a:xfrm>
+          <a:prstGeom prst="straightConnector1">
+            <a:avLst/>
+          </a:prstGeom>
+          <a:ln>
+            <a:headEnd type="triangle"/>
+            <a:tailEnd type="triangle"/>
+          </a:ln>
+        </p:spPr>
+        <p:style>
+          <a:lnRef idx="1">
+            <a:schemeClr val="accent1"/>
+          </a:lnRef>
+          <a:fillRef idx="0">
+            <a:schemeClr val="accent1"/>
+          </a:fillRef>
+          <a:effectRef idx="0">
+            <a:schemeClr val="accent1"/>
+          </a:effectRef>
+          <a:fontRef idx="minor">
+            <a:schemeClr val="tx1"/>
+          </a:fontRef>
+        </p:style>
+      </p:cxnSp>
+      <p:sp>
+        <p:nvSpPr>
+          <p:cNvPr id="14" name="TextBox 13"/>
+          <p:cNvSpPr txBox="1"/>
+          <p:nvPr/>
+        </p:nvSpPr>
+        <p:spPr>
+          <a:xfrm>
+            <a:off x="3779519" y="2882427"/>
+            <a:ext cx="1062446" cy="369332"/>
+          </a:xfrm>
+          <a:prstGeom prst="rect">
+            <a:avLst/>
+          </a:prstGeom>
+          <a:noFill/>
+        </p:spPr>
+        <p:txBody>
+          <a:bodyPr wrap="square" rtlCol="0">
+            <a:spAutoFit/>
+          </a:bodyPr>
+          <a:lstStyle/>
+          <a:p>
+            <a:r>
+              <a:rPr lang="en-US" dirty="0" smtClean="0"/>
+              <a:t>3mm</a:t>
+            </a:r>
+            <a:endParaRPr lang="en-US" dirty="0"/>
+          </a:p>
+        </p:txBody>
+      </p:sp>
+      <p:cxnSp>
+        <p:nvCxnSpPr>
+          <p:cNvPr id="15" name="Straight Arrow Connector 14"/>
+          <p:cNvCxnSpPr/>
+          <p:nvPr/>
+        </p:nvCxnSpPr>
+        <p:spPr>
+          <a:xfrm flipH="1">
+            <a:off x="4477839" y="3435531"/>
+            <a:ext cx="23404" cy="1859280"/>
+          </a:xfrm>
+          <a:prstGeom prst="straightConnector1">
+            <a:avLst/>
+          </a:prstGeom>
+          <a:ln>
+            <a:headEnd type="triangle"/>
+            <a:tailEnd type="triangle"/>
+          </a:ln>
+        </p:spPr>
+        <p:style>
+          <a:lnRef idx="1">
+            <a:schemeClr val="accent1"/>
+          </a:lnRef>
+          <a:fillRef idx="0">
+            <a:schemeClr val="accent1"/>
+          </a:fillRef>
+          <a:effectRef idx="0">
+            <a:schemeClr val="accent1"/>
+          </a:effectRef>
+          <a:fontRef idx="minor">
+            <a:schemeClr val="tx1"/>
+          </a:fontRef>
+        </p:style>
+      </p:cxnSp>
+      <p:cxnSp>
+        <p:nvCxnSpPr>
+          <p:cNvPr id="16" name="Straight Arrow Connector 15"/>
+          <p:cNvCxnSpPr/>
+          <p:nvPr/>
+        </p:nvCxnSpPr>
+        <p:spPr>
+          <a:xfrm flipV="1">
+            <a:off x="4110445" y="1986796"/>
+            <a:ext cx="2477589" cy="24702"/>
+          </a:xfrm>
+          <a:prstGeom prst="straightConnector1">
+            <a:avLst/>
+          </a:prstGeom>
+          <a:ln>
+            <a:headEnd type="triangle"/>
+            <a:tailEnd type="triangle"/>
+          </a:ln>
+        </p:spPr>
+        <p:style>
+          <a:lnRef idx="1">
+            <a:schemeClr val="accent1"/>
+          </a:lnRef>
+          <a:fillRef idx="0">
+            <a:schemeClr val="accent1"/>
+          </a:fillRef>
+          <a:effectRef idx="0">
+            <a:schemeClr val="accent1"/>
+          </a:effectRef>
+          <a:fontRef idx="minor">
+            <a:schemeClr val="tx1"/>
+          </a:fontRef>
+        </p:style>
+      </p:cxnSp>
+      <p:sp>
+        <p:nvSpPr>
+          <p:cNvPr id="17" name="TextBox 16"/>
+          <p:cNvSpPr txBox="1"/>
+          <p:nvPr/>
+        </p:nvSpPr>
+        <p:spPr>
+          <a:xfrm>
+            <a:off x="4672149" y="2057065"/>
+            <a:ext cx="1062446" cy="369332"/>
+          </a:xfrm>
+          <a:prstGeom prst="rect">
+            <a:avLst/>
+          </a:prstGeom>
+          <a:noFill/>
+        </p:spPr>
+        <p:txBody>
+          <a:bodyPr wrap="square" rtlCol="0">
+            <a:spAutoFit/>
+          </a:bodyPr>
+          <a:lstStyle/>
+          <a:p>
+            <a:r>
+              <a:rPr lang="en-US" dirty="0" smtClean="0"/>
+              <a:t>25.5mm</a:t>
+            </a:r>
+            <a:endParaRPr lang="en-US" dirty="0"/>
+          </a:p>
+        </p:txBody>
+      </p:sp>
+      <p:cxnSp>
+        <p:nvCxnSpPr>
+          <p:cNvPr id="18" name="Straight Arrow Connector 17"/>
+          <p:cNvCxnSpPr/>
+          <p:nvPr/>
+        </p:nvCxnSpPr>
+        <p:spPr>
+          <a:xfrm flipH="1">
+            <a:off x="6749143" y="1599809"/>
+            <a:ext cx="8708" cy="240379"/>
+          </a:xfrm>
+          <a:prstGeom prst="straightConnector1">
+            <a:avLst/>
+          </a:prstGeom>
+          <a:ln>
+            <a:headEnd type="triangle"/>
+            <a:tailEnd type="triangle"/>
+          </a:ln>
+        </p:spPr>
+        <p:style>
+          <a:lnRef idx="1">
+            <a:schemeClr val="accent1"/>
+          </a:lnRef>
+          <a:fillRef idx="0">
+            <a:schemeClr val="accent1"/>
+          </a:fillRef>
+          <a:effectRef idx="0">
+            <a:schemeClr val="accent1"/>
+          </a:effectRef>
+          <a:fontRef idx="minor">
+            <a:schemeClr val="tx1"/>
+          </a:fontRef>
+        </p:style>
+      </p:cxnSp>
+      <p:sp>
+        <p:nvSpPr>
+          <p:cNvPr id="19" name="TextBox 18"/>
+          <p:cNvSpPr txBox="1"/>
+          <p:nvPr/>
+        </p:nvSpPr>
+        <p:spPr>
+          <a:xfrm>
+            <a:off x="6792688" y="1594729"/>
+            <a:ext cx="1062446" cy="369332"/>
+          </a:xfrm>
+          <a:prstGeom prst="rect">
+            <a:avLst/>
+          </a:prstGeom>
+          <a:noFill/>
+        </p:spPr>
+        <p:txBody>
+          <a:bodyPr wrap="square" rtlCol="0">
+            <a:spAutoFit/>
+          </a:bodyPr>
+          <a:lstStyle/>
+          <a:p>
+            <a:r>
+              <a:rPr lang="en-US" dirty="0" smtClean="0"/>
+              <a:t>2.5mm</a:t>
+            </a:r>
+            <a:endParaRPr lang="en-US" dirty="0"/>
+          </a:p>
+        </p:txBody>
+      </p:sp>
+      <p:cxnSp>
+        <p:nvCxnSpPr>
+          <p:cNvPr id="20" name="Straight Arrow Connector 19"/>
+          <p:cNvCxnSpPr/>
+          <p:nvPr/>
+        </p:nvCxnSpPr>
+        <p:spPr>
+          <a:xfrm>
+            <a:off x="7621636" y="1608504"/>
+            <a:ext cx="10885" cy="2326332"/>
+          </a:xfrm>
+          <a:prstGeom prst="straightConnector1">
+            <a:avLst/>
+          </a:prstGeom>
+          <a:ln>
+            <a:headEnd type="triangle"/>
+            <a:tailEnd type="triangle"/>
+          </a:ln>
+        </p:spPr>
+        <p:style>
+          <a:lnRef idx="1">
+            <a:schemeClr val="accent1"/>
+          </a:lnRef>
+          <a:fillRef idx="0">
+            <a:schemeClr val="accent1"/>
+          </a:fillRef>
+          <a:effectRef idx="0">
+            <a:schemeClr val="accent1"/>
+          </a:effectRef>
+          <a:fontRef idx="minor">
+            <a:schemeClr val="tx1"/>
+          </a:fontRef>
+        </p:style>
+      </p:cxnSp>
+      <p:sp>
+        <p:nvSpPr>
+          <p:cNvPr id="21" name="TextBox 20"/>
+          <p:cNvSpPr txBox="1"/>
+          <p:nvPr/>
+        </p:nvSpPr>
+        <p:spPr>
+          <a:xfrm>
+            <a:off x="7942216" y="2558534"/>
+            <a:ext cx="1062446" cy="369332"/>
+          </a:xfrm>
+          <a:prstGeom prst="rect">
+            <a:avLst/>
+          </a:prstGeom>
+          <a:noFill/>
+        </p:spPr>
+        <p:txBody>
+          <a:bodyPr wrap="square" rtlCol="0">
+            <a:spAutoFit/>
+          </a:bodyPr>
+          <a:lstStyle/>
+          <a:p>
+            <a:r>
+              <a:rPr lang="en-US" dirty="0" smtClean="0"/>
+              <a:t>29mm</a:t>
+            </a:r>
+            <a:endParaRPr lang="en-US" dirty="0"/>
+          </a:p>
+        </p:txBody>
+      </p:sp>
+      <p:cxnSp>
+        <p:nvCxnSpPr>
+          <p:cNvPr id="22" name="Straight Arrow Connector 21"/>
+          <p:cNvCxnSpPr/>
+          <p:nvPr/>
+        </p:nvCxnSpPr>
+        <p:spPr>
+          <a:xfrm flipV="1">
+            <a:off x="7711440" y="4103580"/>
+            <a:ext cx="1306829" cy="5330"/>
+          </a:xfrm>
+          <a:prstGeom prst="straightConnector1">
+            <a:avLst/>
+          </a:prstGeom>
+          <a:ln>
+            <a:headEnd type="triangle"/>
+            <a:tailEnd type="triangle"/>
+          </a:ln>
+        </p:spPr>
+        <p:style>
+          <a:lnRef idx="1">
+            <a:schemeClr val="accent1"/>
+          </a:lnRef>
+          <a:fillRef idx="0">
+            <a:schemeClr val="accent1"/>
+          </a:fillRef>
+          <a:effectRef idx="0">
+            <a:schemeClr val="accent1"/>
+          </a:effectRef>
+          <a:fontRef idx="minor">
+            <a:schemeClr val="tx1"/>
+          </a:fontRef>
+        </p:style>
+      </p:cxnSp>
+      <p:sp>
+        <p:nvSpPr>
+          <p:cNvPr id="23" name="TextBox 22"/>
+          <p:cNvSpPr txBox="1"/>
+          <p:nvPr/>
+        </p:nvSpPr>
+        <p:spPr>
+          <a:xfrm>
+            <a:off x="8031485" y="4202166"/>
+            <a:ext cx="1062446" cy="369332"/>
+          </a:xfrm>
+          <a:prstGeom prst="rect">
+            <a:avLst/>
+          </a:prstGeom>
+          <a:noFill/>
+        </p:spPr>
+        <p:txBody>
+          <a:bodyPr wrap="square" rtlCol="0">
+            <a:spAutoFit/>
+          </a:bodyPr>
+          <a:lstStyle/>
+          <a:p>
+            <a:r>
+              <a:rPr lang="en-US" dirty="0" smtClean="0"/>
+              <a:t>8.5mm</a:t>
+            </a:r>
+            <a:endParaRPr lang="en-US" dirty="0"/>
+          </a:p>
+        </p:txBody>
+      </p:sp>
+      <p:sp>
+        <p:nvSpPr>
+          <p:cNvPr id="24" name="TextBox 23"/>
+          <p:cNvSpPr txBox="1"/>
+          <p:nvPr/>
+        </p:nvSpPr>
+        <p:spPr>
+          <a:xfrm>
+            <a:off x="2412514" y="5365973"/>
+            <a:ext cx="2936725" cy="646331"/>
+          </a:xfrm>
+          <a:prstGeom prst="rect">
+            <a:avLst/>
+          </a:prstGeom>
+          <a:noFill/>
+        </p:spPr>
+        <p:txBody>
+          <a:bodyPr wrap="square" rtlCol="0">
+            <a:spAutoFit/>
+          </a:bodyPr>
+          <a:lstStyle/>
+          <a:p>
+            <a:r>
+              <a:rPr lang="en-US" dirty="0" smtClean="0"/>
+              <a:t>150.749, 53.848</a:t>
+            </a:r>
+          </a:p>
+          <a:p>
+            <a:endParaRPr lang="en-US" dirty="0"/>
+          </a:p>
+        </p:txBody>
+      </p:sp>
+      <p:sp>
+        <p:nvSpPr>
+          <p:cNvPr id="31" name="TextBox 30"/>
+          <p:cNvSpPr txBox="1"/>
+          <p:nvPr/>
+        </p:nvSpPr>
+        <p:spPr>
+          <a:xfrm>
+            <a:off x="4321083" y="2980285"/>
+            <a:ext cx="2936725" cy="646331"/>
+          </a:xfrm>
+          <a:prstGeom prst="rect">
+            <a:avLst/>
+          </a:prstGeom>
+          <a:noFill/>
+        </p:spPr>
+        <p:txBody>
+          <a:bodyPr wrap="square" rtlCol="0">
+            <a:spAutoFit/>
+          </a:bodyPr>
+          <a:lstStyle/>
+          <a:p>
+            <a:r>
+              <a:rPr lang="en-US" dirty="0" smtClean="0"/>
+              <a:t>153.749, 76.348</a:t>
+            </a:r>
+          </a:p>
+          <a:p>
+            <a:endParaRPr lang="en-US" dirty="0"/>
+          </a:p>
+        </p:txBody>
+      </p:sp>
+      <p:sp>
+        <p:nvSpPr>
+          <p:cNvPr id="32" name="TextBox 31"/>
+          <p:cNvSpPr txBox="1"/>
+          <p:nvPr/>
+        </p:nvSpPr>
+        <p:spPr>
+          <a:xfrm>
+            <a:off x="5789445" y="2035769"/>
+            <a:ext cx="2936725" cy="646331"/>
+          </a:xfrm>
+          <a:prstGeom prst="rect">
+            <a:avLst/>
+          </a:prstGeom>
+          <a:noFill/>
+        </p:spPr>
+        <p:txBody>
+          <a:bodyPr wrap="square" rtlCol="0">
+            <a:spAutoFit/>
+          </a:bodyPr>
+          <a:lstStyle/>
+          <a:p>
+            <a:r>
+              <a:rPr lang="en-US" dirty="0" smtClean="0"/>
+              <a:t>176.249, 96.348</a:t>
+            </a:r>
+          </a:p>
+          <a:p>
+            <a:endParaRPr lang="en-US" dirty="0"/>
+          </a:p>
+        </p:txBody>
+      </p:sp>
+      <p:sp>
+        <p:nvSpPr>
+          <p:cNvPr id="33" name="TextBox 32"/>
+          <p:cNvSpPr txBox="1"/>
+          <p:nvPr/>
+        </p:nvSpPr>
+        <p:spPr>
+          <a:xfrm>
+            <a:off x="6667557" y="3509207"/>
+            <a:ext cx="2936725" cy="646331"/>
+          </a:xfrm>
+          <a:prstGeom prst="rect">
+            <a:avLst/>
+          </a:prstGeom>
+          <a:noFill/>
+        </p:spPr>
+        <p:txBody>
+          <a:bodyPr wrap="square" rtlCol="0">
+            <a:spAutoFit/>
+          </a:bodyPr>
+          <a:lstStyle/>
+          <a:p>
+            <a:r>
+              <a:rPr lang="en-US" dirty="0" smtClean="0"/>
+              <a:t>191.749, 69.848</a:t>
+            </a:r>
+          </a:p>
+          <a:p>
+            <a:endParaRPr lang="en-US" dirty="0"/>
+          </a:p>
+        </p:txBody>
+      </p:sp>
     </p:spTree>
     <p:extLst>
       <p:ext uri="{BB962C8B-B14F-4D97-AF65-F5344CB8AC3E}">
@@ -15247,15 +16081,7 @@
                   <a:schemeClr val="tx1"/>
                 </a:solidFill>
               </a:rPr>
-              <a:t>Brightness </a:t>
-            </a:r>
-            <a:r>
-              <a:rPr lang="en-US" sz="1200" dirty="0" smtClean="0">
-                <a:solidFill>
-                  <a:schemeClr val="tx1"/>
-                </a:solidFill>
-              </a:rPr>
-              <a:t>Potentiometer</a:t>
+              <a:t>Brightness Potentiometer</a:t>
             </a:r>
             <a:endParaRPr lang="en-US" sz="1200" dirty="0">
               <a:solidFill>
@@ -16121,15 +16947,7 @@
                   <a:schemeClr val="tx1"/>
                 </a:solidFill>
               </a:rPr>
-              <a:t>Date Set </a:t>
-            </a:r>
-            <a:r>
-              <a:rPr lang="en-US" sz="1200" dirty="0" smtClean="0">
-                <a:solidFill>
-                  <a:schemeClr val="tx1"/>
-                </a:solidFill>
-              </a:rPr>
-              <a:t>Pushbutton</a:t>
+              <a:t>Date Set Pushbutton</a:t>
             </a:r>
             <a:endParaRPr lang="en-US" sz="1200" dirty="0">
               <a:solidFill>

--- a/docs/clock.pptx
+++ b/docs/clock.pptx
@@ -15,7 +15,8 @@
     <p:sldId id="259" r:id="rId9"/>
     <p:sldId id="261" r:id="rId10"/>
     <p:sldId id="263" r:id="rId11"/>
-    <p:sldId id="262" r:id="rId12"/>
+    <p:sldId id="269" r:id="rId12"/>
+    <p:sldId id="262" r:id="rId13"/>
   </p:sldIdLst>
   <p:sldSz cx="12192000" cy="6858000"/>
   <p:notesSz cx="6858000" cy="9144000"/>
@@ -253,7 +254,7 @@
           <a:p>
             <a:fld id="{27EE75E1-870E-4356-88E8-D47C7AD09D5D}" type="datetimeFigureOut">
               <a:rPr lang="en-US" smtClean="0"/>
-              <a:t>7/14/2019</a:t>
+              <a:t>7/28/2019</a:t>
             </a:fld>
             <a:endParaRPr lang="en-US"/>
           </a:p>
@@ -423,7 +424,7 @@
           <a:p>
             <a:fld id="{27EE75E1-870E-4356-88E8-D47C7AD09D5D}" type="datetimeFigureOut">
               <a:rPr lang="en-US" smtClean="0"/>
-              <a:t>7/14/2019</a:t>
+              <a:t>7/28/2019</a:t>
             </a:fld>
             <a:endParaRPr lang="en-US"/>
           </a:p>
@@ -603,7 +604,7 @@
           <a:p>
             <a:fld id="{27EE75E1-870E-4356-88E8-D47C7AD09D5D}" type="datetimeFigureOut">
               <a:rPr lang="en-US" smtClean="0"/>
-              <a:t>7/14/2019</a:t>
+              <a:t>7/28/2019</a:t>
             </a:fld>
             <a:endParaRPr lang="en-US"/>
           </a:p>
@@ -773,7 +774,7 @@
           <a:p>
             <a:fld id="{27EE75E1-870E-4356-88E8-D47C7AD09D5D}" type="datetimeFigureOut">
               <a:rPr lang="en-US" smtClean="0"/>
-              <a:t>7/14/2019</a:t>
+              <a:t>7/28/2019</a:t>
             </a:fld>
             <a:endParaRPr lang="en-US"/>
           </a:p>
@@ -1019,7 +1020,7 @@
           <a:p>
             <a:fld id="{27EE75E1-870E-4356-88E8-D47C7AD09D5D}" type="datetimeFigureOut">
               <a:rPr lang="en-US" smtClean="0"/>
-              <a:t>7/14/2019</a:t>
+              <a:t>7/28/2019</a:t>
             </a:fld>
             <a:endParaRPr lang="en-US"/>
           </a:p>
@@ -1251,7 +1252,7 @@
           <a:p>
             <a:fld id="{27EE75E1-870E-4356-88E8-D47C7AD09D5D}" type="datetimeFigureOut">
               <a:rPr lang="en-US" smtClean="0"/>
-              <a:t>7/14/2019</a:t>
+              <a:t>7/28/2019</a:t>
             </a:fld>
             <a:endParaRPr lang="en-US"/>
           </a:p>
@@ -1618,7 +1619,7 @@
           <a:p>
             <a:fld id="{27EE75E1-870E-4356-88E8-D47C7AD09D5D}" type="datetimeFigureOut">
               <a:rPr lang="en-US" smtClean="0"/>
-              <a:t>7/14/2019</a:t>
+              <a:t>7/28/2019</a:t>
             </a:fld>
             <a:endParaRPr lang="en-US"/>
           </a:p>
@@ -1736,7 +1737,7 @@
           <a:p>
             <a:fld id="{27EE75E1-870E-4356-88E8-D47C7AD09D5D}" type="datetimeFigureOut">
               <a:rPr lang="en-US" smtClean="0"/>
-              <a:t>7/14/2019</a:t>
+              <a:t>7/28/2019</a:t>
             </a:fld>
             <a:endParaRPr lang="en-US"/>
           </a:p>
@@ -1831,7 +1832,7 @@
           <a:p>
             <a:fld id="{27EE75E1-870E-4356-88E8-D47C7AD09D5D}" type="datetimeFigureOut">
               <a:rPr lang="en-US" smtClean="0"/>
-              <a:t>7/14/2019</a:t>
+              <a:t>7/28/2019</a:t>
             </a:fld>
             <a:endParaRPr lang="en-US"/>
           </a:p>
@@ -2108,7 +2109,7 @@
           <a:p>
             <a:fld id="{27EE75E1-870E-4356-88E8-D47C7AD09D5D}" type="datetimeFigureOut">
               <a:rPr lang="en-US" smtClean="0"/>
-              <a:t>7/14/2019</a:t>
+              <a:t>7/28/2019</a:t>
             </a:fld>
             <a:endParaRPr lang="en-US"/>
           </a:p>
@@ -2361,7 +2362,7 @@
           <a:p>
             <a:fld id="{27EE75E1-870E-4356-88E8-D47C7AD09D5D}" type="datetimeFigureOut">
               <a:rPr lang="en-US" smtClean="0"/>
-              <a:t>7/14/2019</a:t>
+              <a:t>7/28/2019</a:t>
             </a:fld>
             <a:endParaRPr lang="en-US"/>
           </a:p>
@@ -2574,7 +2575,7 @@
           <a:p>
             <a:fld id="{27EE75E1-870E-4356-88E8-D47C7AD09D5D}" type="datetimeFigureOut">
               <a:rPr lang="en-US" smtClean="0"/>
-              <a:t>7/14/2019</a:t>
+              <a:t>7/28/2019</a:t>
             </a:fld>
             <a:endParaRPr lang="en-US"/>
           </a:p>
@@ -11175,6 +11176,1001 @@
 </file>
 
 <file path=ppt/slides/slide11.xml><?xml version="1.0" encoding="utf-8"?>
+<p:sld xmlns:a="http://schemas.openxmlformats.org/drawingml/2006/main" xmlns:r="http://schemas.openxmlformats.org/officeDocument/2006/relationships" xmlns:p="http://schemas.openxmlformats.org/presentationml/2006/main">
+  <p:cSld>
+    <p:spTree>
+      <p:nvGrpSpPr>
+        <p:cNvPr id="1" name=""/>
+        <p:cNvGrpSpPr/>
+        <p:nvPr/>
+      </p:nvGrpSpPr>
+      <p:grpSpPr>
+        <a:xfrm>
+          <a:off x="0" y="0"/>
+          <a:ext cx="0" cy="0"/>
+          <a:chOff x="0" y="0"/>
+          <a:chExt cx="0" cy="0"/>
+        </a:xfrm>
+      </p:grpSpPr>
+      <p:sp>
+        <p:nvSpPr>
+          <p:cNvPr id="2" name="Rounded Rectangle 1"/>
+          <p:cNvSpPr/>
+          <p:nvPr/>
+        </p:nvSpPr>
+        <p:spPr>
+          <a:xfrm>
+            <a:off x="3026088" y="2067367"/>
+            <a:ext cx="448236" cy="645453"/>
+          </a:xfrm>
+          <a:prstGeom prst="roundRect">
+            <a:avLst/>
+          </a:prstGeom>
+          <a:solidFill>
+            <a:schemeClr val="bg1"/>
+          </a:solidFill>
+          <a:ln w="19050">
+            <a:solidFill>
+              <a:schemeClr val="tx1"/>
+            </a:solidFill>
+          </a:ln>
+        </p:spPr>
+        <p:style>
+          <a:lnRef idx="2">
+            <a:schemeClr val="accent1">
+              <a:shade val="50000"/>
+            </a:schemeClr>
+          </a:lnRef>
+          <a:fillRef idx="1">
+            <a:schemeClr val="accent1"/>
+          </a:fillRef>
+          <a:effectRef idx="0">
+            <a:schemeClr val="accent1"/>
+          </a:effectRef>
+          <a:fontRef idx="minor">
+            <a:schemeClr val="lt1"/>
+          </a:fontRef>
+        </p:style>
+        <p:txBody>
+          <a:bodyPr rtlCol="0" anchor="ctr"/>
+          <a:lstStyle/>
+          <a:p>
+            <a:pPr algn="ctr"/>
+            <a:endParaRPr lang="en-US"/>
+          </a:p>
+        </p:txBody>
+      </p:sp>
+      <p:sp>
+        <p:nvSpPr>
+          <p:cNvPr id="3" name="Rectangle 2"/>
+          <p:cNvSpPr/>
+          <p:nvPr/>
+        </p:nvSpPr>
+        <p:spPr>
+          <a:xfrm>
+            <a:off x="3026087" y="2712820"/>
+            <a:ext cx="448237" cy="197229"/>
+          </a:xfrm>
+          <a:prstGeom prst="rect">
+            <a:avLst/>
+          </a:prstGeom>
+          <a:solidFill>
+            <a:schemeClr val="bg1">
+              <a:lumMod val="50000"/>
+            </a:schemeClr>
+          </a:solidFill>
+          <a:ln w="19050">
+            <a:solidFill>
+              <a:schemeClr val="tx1"/>
+            </a:solidFill>
+          </a:ln>
+        </p:spPr>
+        <p:style>
+          <a:lnRef idx="2">
+            <a:schemeClr val="accent1">
+              <a:shade val="50000"/>
+            </a:schemeClr>
+          </a:lnRef>
+          <a:fillRef idx="1">
+            <a:schemeClr val="accent1"/>
+          </a:fillRef>
+          <a:effectRef idx="0">
+            <a:schemeClr val="accent1"/>
+          </a:effectRef>
+          <a:fontRef idx="minor">
+            <a:schemeClr val="lt1"/>
+          </a:fontRef>
+        </p:style>
+        <p:txBody>
+          <a:bodyPr rtlCol="0" anchor="ctr"/>
+          <a:lstStyle/>
+          <a:p>
+            <a:pPr algn="ctr"/>
+            <a:endParaRPr lang="en-US"/>
+          </a:p>
+        </p:txBody>
+      </p:sp>
+      <p:sp>
+        <p:nvSpPr>
+          <p:cNvPr id="4" name="Rounded Rectangle 3"/>
+          <p:cNvSpPr/>
+          <p:nvPr/>
+        </p:nvSpPr>
+        <p:spPr>
+          <a:xfrm>
+            <a:off x="3599825" y="2058403"/>
+            <a:ext cx="448236" cy="645453"/>
+          </a:xfrm>
+          <a:prstGeom prst="roundRect">
+            <a:avLst/>
+          </a:prstGeom>
+          <a:solidFill>
+            <a:schemeClr val="bg1"/>
+          </a:solidFill>
+          <a:ln w="19050">
+            <a:solidFill>
+              <a:schemeClr val="tx1"/>
+            </a:solidFill>
+          </a:ln>
+        </p:spPr>
+        <p:style>
+          <a:lnRef idx="2">
+            <a:schemeClr val="accent1">
+              <a:shade val="50000"/>
+            </a:schemeClr>
+          </a:lnRef>
+          <a:fillRef idx="1">
+            <a:schemeClr val="accent1"/>
+          </a:fillRef>
+          <a:effectRef idx="0">
+            <a:schemeClr val="accent1"/>
+          </a:effectRef>
+          <a:fontRef idx="minor">
+            <a:schemeClr val="lt1"/>
+          </a:fontRef>
+        </p:style>
+        <p:txBody>
+          <a:bodyPr rtlCol="0" anchor="ctr"/>
+          <a:lstStyle/>
+          <a:p>
+            <a:pPr algn="ctr"/>
+            <a:endParaRPr lang="en-US"/>
+          </a:p>
+        </p:txBody>
+      </p:sp>
+      <p:sp>
+        <p:nvSpPr>
+          <p:cNvPr id="5" name="Rectangle 4"/>
+          <p:cNvSpPr/>
+          <p:nvPr/>
+        </p:nvSpPr>
+        <p:spPr>
+          <a:xfrm>
+            <a:off x="3599824" y="2703856"/>
+            <a:ext cx="448237" cy="197229"/>
+          </a:xfrm>
+          <a:prstGeom prst="rect">
+            <a:avLst/>
+          </a:prstGeom>
+          <a:solidFill>
+            <a:schemeClr val="bg1">
+              <a:lumMod val="50000"/>
+            </a:schemeClr>
+          </a:solidFill>
+          <a:ln w="19050">
+            <a:solidFill>
+              <a:schemeClr val="tx1"/>
+            </a:solidFill>
+          </a:ln>
+        </p:spPr>
+        <p:style>
+          <a:lnRef idx="2">
+            <a:schemeClr val="accent1">
+              <a:shade val="50000"/>
+            </a:schemeClr>
+          </a:lnRef>
+          <a:fillRef idx="1">
+            <a:schemeClr val="accent1"/>
+          </a:fillRef>
+          <a:effectRef idx="0">
+            <a:schemeClr val="accent1"/>
+          </a:effectRef>
+          <a:fontRef idx="minor">
+            <a:schemeClr val="lt1"/>
+          </a:fontRef>
+        </p:style>
+        <p:txBody>
+          <a:bodyPr rtlCol="0" anchor="ctr"/>
+          <a:lstStyle/>
+          <a:p>
+            <a:pPr algn="ctr"/>
+            <a:endParaRPr lang="en-US"/>
+          </a:p>
+        </p:txBody>
+      </p:sp>
+      <p:sp>
+        <p:nvSpPr>
+          <p:cNvPr id="6" name="Rounded Rectangle 5"/>
+          <p:cNvSpPr/>
+          <p:nvPr/>
+        </p:nvSpPr>
+        <p:spPr>
+          <a:xfrm>
+            <a:off x="4500784" y="2067367"/>
+            <a:ext cx="448236" cy="645453"/>
+          </a:xfrm>
+          <a:prstGeom prst="roundRect">
+            <a:avLst/>
+          </a:prstGeom>
+          <a:solidFill>
+            <a:schemeClr val="bg1"/>
+          </a:solidFill>
+          <a:ln w="19050">
+            <a:solidFill>
+              <a:schemeClr val="tx1"/>
+            </a:solidFill>
+          </a:ln>
+        </p:spPr>
+        <p:style>
+          <a:lnRef idx="2">
+            <a:schemeClr val="accent1">
+              <a:shade val="50000"/>
+            </a:schemeClr>
+          </a:lnRef>
+          <a:fillRef idx="1">
+            <a:schemeClr val="accent1"/>
+          </a:fillRef>
+          <a:effectRef idx="0">
+            <a:schemeClr val="accent1"/>
+          </a:effectRef>
+          <a:fontRef idx="minor">
+            <a:schemeClr val="lt1"/>
+          </a:fontRef>
+        </p:style>
+        <p:txBody>
+          <a:bodyPr rtlCol="0" anchor="ctr"/>
+          <a:lstStyle/>
+          <a:p>
+            <a:pPr algn="ctr"/>
+            <a:endParaRPr lang="en-US"/>
+          </a:p>
+        </p:txBody>
+      </p:sp>
+      <p:sp>
+        <p:nvSpPr>
+          <p:cNvPr id="7" name="Rectangle 6"/>
+          <p:cNvSpPr/>
+          <p:nvPr/>
+        </p:nvSpPr>
+        <p:spPr>
+          <a:xfrm>
+            <a:off x="4500783" y="2712820"/>
+            <a:ext cx="448237" cy="197229"/>
+          </a:xfrm>
+          <a:prstGeom prst="rect">
+            <a:avLst/>
+          </a:prstGeom>
+          <a:solidFill>
+            <a:schemeClr val="bg1">
+              <a:lumMod val="50000"/>
+            </a:schemeClr>
+          </a:solidFill>
+          <a:ln w="19050">
+            <a:solidFill>
+              <a:schemeClr val="tx1"/>
+            </a:solidFill>
+          </a:ln>
+        </p:spPr>
+        <p:style>
+          <a:lnRef idx="2">
+            <a:schemeClr val="accent1">
+              <a:shade val="50000"/>
+            </a:schemeClr>
+          </a:lnRef>
+          <a:fillRef idx="1">
+            <a:schemeClr val="accent1"/>
+          </a:fillRef>
+          <a:effectRef idx="0">
+            <a:schemeClr val="accent1"/>
+          </a:effectRef>
+          <a:fontRef idx="minor">
+            <a:schemeClr val="lt1"/>
+          </a:fontRef>
+        </p:style>
+        <p:txBody>
+          <a:bodyPr rtlCol="0" anchor="ctr"/>
+          <a:lstStyle/>
+          <a:p>
+            <a:pPr algn="ctr"/>
+            <a:endParaRPr lang="en-US"/>
+          </a:p>
+        </p:txBody>
+      </p:sp>
+      <p:sp>
+        <p:nvSpPr>
+          <p:cNvPr id="8" name="Rounded Rectangle 7"/>
+          <p:cNvSpPr/>
+          <p:nvPr/>
+        </p:nvSpPr>
+        <p:spPr>
+          <a:xfrm>
+            <a:off x="5074521" y="2058403"/>
+            <a:ext cx="448236" cy="645453"/>
+          </a:xfrm>
+          <a:prstGeom prst="roundRect">
+            <a:avLst/>
+          </a:prstGeom>
+          <a:solidFill>
+            <a:schemeClr val="bg1"/>
+          </a:solidFill>
+          <a:ln w="19050">
+            <a:solidFill>
+              <a:schemeClr val="tx1"/>
+            </a:solidFill>
+          </a:ln>
+        </p:spPr>
+        <p:style>
+          <a:lnRef idx="2">
+            <a:schemeClr val="accent1">
+              <a:shade val="50000"/>
+            </a:schemeClr>
+          </a:lnRef>
+          <a:fillRef idx="1">
+            <a:schemeClr val="accent1"/>
+          </a:fillRef>
+          <a:effectRef idx="0">
+            <a:schemeClr val="accent1"/>
+          </a:effectRef>
+          <a:fontRef idx="minor">
+            <a:schemeClr val="lt1"/>
+          </a:fontRef>
+        </p:style>
+        <p:txBody>
+          <a:bodyPr rtlCol="0" anchor="ctr"/>
+          <a:lstStyle/>
+          <a:p>
+            <a:pPr algn="ctr"/>
+            <a:endParaRPr lang="en-US"/>
+          </a:p>
+        </p:txBody>
+      </p:sp>
+      <p:sp>
+        <p:nvSpPr>
+          <p:cNvPr id="9" name="Rectangle 8"/>
+          <p:cNvSpPr/>
+          <p:nvPr/>
+        </p:nvSpPr>
+        <p:spPr>
+          <a:xfrm>
+            <a:off x="5074520" y="2703856"/>
+            <a:ext cx="448237" cy="197229"/>
+          </a:xfrm>
+          <a:prstGeom prst="rect">
+            <a:avLst/>
+          </a:prstGeom>
+          <a:solidFill>
+            <a:schemeClr val="bg1">
+              <a:lumMod val="50000"/>
+            </a:schemeClr>
+          </a:solidFill>
+          <a:ln w="19050">
+            <a:solidFill>
+              <a:schemeClr val="tx1"/>
+            </a:solidFill>
+          </a:ln>
+        </p:spPr>
+        <p:style>
+          <a:lnRef idx="2">
+            <a:schemeClr val="accent1">
+              <a:shade val="50000"/>
+            </a:schemeClr>
+          </a:lnRef>
+          <a:fillRef idx="1">
+            <a:schemeClr val="accent1"/>
+          </a:fillRef>
+          <a:effectRef idx="0">
+            <a:schemeClr val="accent1"/>
+          </a:effectRef>
+          <a:fontRef idx="minor">
+            <a:schemeClr val="lt1"/>
+          </a:fontRef>
+        </p:style>
+        <p:txBody>
+          <a:bodyPr rtlCol="0" anchor="ctr"/>
+          <a:lstStyle/>
+          <a:p>
+            <a:pPr algn="ctr"/>
+            <a:endParaRPr lang="en-US"/>
+          </a:p>
+        </p:txBody>
+      </p:sp>
+      <p:sp>
+        <p:nvSpPr>
+          <p:cNvPr id="10" name="Rounded Rectangle 9"/>
+          <p:cNvSpPr/>
+          <p:nvPr/>
+        </p:nvSpPr>
+        <p:spPr>
+          <a:xfrm>
+            <a:off x="5867897" y="2067367"/>
+            <a:ext cx="448236" cy="645453"/>
+          </a:xfrm>
+          <a:prstGeom prst="roundRect">
+            <a:avLst/>
+          </a:prstGeom>
+          <a:solidFill>
+            <a:schemeClr val="bg1"/>
+          </a:solidFill>
+          <a:ln w="19050">
+            <a:solidFill>
+              <a:schemeClr val="tx1"/>
+            </a:solidFill>
+          </a:ln>
+        </p:spPr>
+        <p:style>
+          <a:lnRef idx="2">
+            <a:schemeClr val="accent1">
+              <a:shade val="50000"/>
+            </a:schemeClr>
+          </a:lnRef>
+          <a:fillRef idx="1">
+            <a:schemeClr val="accent1"/>
+          </a:fillRef>
+          <a:effectRef idx="0">
+            <a:schemeClr val="accent1"/>
+          </a:effectRef>
+          <a:fontRef idx="minor">
+            <a:schemeClr val="lt1"/>
+          </a:fontRef>
+        </p:style>
+        <p:txBody>
+          <a:bodyPr rtlCol="0" anchor="ctr"/>
+          <a:lstStyle/>
+          <a:p>
+            <a:pPr algn="ctr"/>
+            <a:endParaRPr lang="en-US"/>
+          </a:p>
+        </p:txBody>
+      </p:sp>
+      <p:sp>
+        <p:nvSpPr>
+          <p:cNvPr id="11" name="Rectangle 10"/>
+          <p:cNvSpPr/>
+          <p:nvPr/>
+        </p:nvSpPr>
+        <p:spPr>
+          <a:xfrm>
+            <a:off x="5867896" y="2712820"/>
+            <a:ext cx="448237" cy="197229"/>
+          </a:xfrm>
+          <a:prstGeom prst="rect">
+            <a:avLst/>
+          </a:prstGeom>
+          <a:solidFill>
+            <a:schemeClr val="bg1">
+              <a:lumMod val="50000"/>
+            </a:schemeClr>
+          </a:solidFill>
+          <a:ln w="19050">
+            <a:solidFill>
+              <a:schemeClr val="tx1"/>
+            </a:solidFill>
+          </a:ln>
+        </p:spPr>
+        <p:style>
+          <a:lnRef idx="2">
+            <a:schemeClr val="accent1">
+              <a:shade val="50000"/>
+            </a:schemeClr>
+          </a:lnRef>
+          <a:fillRef idx="1">
+            <a:schemeClr val="accent1"/>
+          </a:fillRef>
+          <a:effectRef idx="0">
+            <a:schemeClr val="accent1"/>
+          </a:effectRef>
+          <a:fontRef idx="minor">
+            <a:schemeClr val="lt1"/>
+          </a:fontRef>
+        </p:style>
+        <p:txBody>
+          <a:bodyPr rtlCol="0" anchor="ctr"/>
+          <a:lstStyle/>
+          <a:p>
+            <a:pPr algn="ctr"/>
+            <a:endParaRPr lang="en-US"/>
+          </a:p>
+        </p:txBody>
+      </p:sp>
+      <p:sp>
+        <p:nvSpPr>
+          <p:cNvPr id="12" name="Rounded Rectangle 11"/>
+          <p:cNvSpPr/>
+          <p:nvPr/>
+        </p:nvSpPr>
+        <p:spPr>
+          <a:xfrm>
+            <a:off x="6441634" y="2058403"/>
+            <a:ext cx="448236" cy="645453"/>
+          </a:xfrm>
+          <a:prstGeom prst="roundRect">
+            <a:avLst/>
+          </a:prstGeom>
+          <a:solidFill>
+            <a:schemeClr val="bg1"/>
+          </a:solidFill>
+          <a:ln w="19050">
+            <a:solidFill>
+              <a:schemeClr val="tx1"/>
+            </a:solidFill>
+          </a:ln>
+        </p:spPr>
+        <p:style>
+          <a:lnRef idx="2">
+            <a:schemeClr val="accent1">
+              <a:shade val="50000"/>
+            </a:schemeClr>
+          </a:lnRef>
+          <a:fillRef idx="1">
+            <a:schemeClr val="accent1"/>
+          </a:fillRef>
+          <a:effectRef idx="0">
+            <a:schemeClr val="accent1"/>
+          </a:effectRef>
+          <a:fontRef idx="minor">
+            <a:schemeClr val="lt1"/>
+          </a:fontRef>
+        </p:style>
+        <p:txBody>
+          <a:bodyPr rtlCol="0" anchor="ctr"/>
+          <a:lstStyle/>
+          <a:p>
+            <a:pPr algn="ctr"/>
+            <a:endParaRPr lang="en-US"/>
+          </a:p>
+        </p:txBody>
+      </p:sp>
+      <p:sp>
+        <p:nvSpPr>
+          <p:cNvPr id="13" name="Rectangle 12"/>
+          <p:cNvSpPr/>
+          <p:nvPr/>
+        </p:nvSpPr>
+        <p:spPr>
+          <a:xfrm>
+            <a:off x="6441633" y="2703856"/>
+            <a:ext cx="448237" cy="197229"/>
+          </a:xfrm>
+          <a:prstGeom prst="rect">
+            <a:avLst/>
+          </a:prstGeom>
+          <a:solidFill>
+            <a:schemeClr val="bg1">
+              <a:lumMod val="50000"/>
+            </a:schemeClr>
+          </a:solidFill>
+          <a:ln w="19050">
+            <a:solidFill>
+              <a:schemeClr val="tx1"/>
+            </a:solidFill>
+          </a:ln>
+        </p:spPr>
+        <p:style>
+          <a:lnRef idx="2">
+            <a:schemeClr val="accent1">
+              <a:shade val="50000"/>
+            </a:schemeClr>
+          </a:lnRef>
+          <a:fillRef idx="1">
+            <a:schemeClr val="accent1"/>
+          </a:fillRef>
+          <a:effectRef idx="0">
+            <a:schemeClr val="accent1"/>
+          </a:effectRef>
+          <a:fontRef idx="minor">
+            <a:schemeClr val="lt1"/>
+          </a:fontRef>
+        </p:style>
+        <p:txBody>
+          <a:bodyPr rtlCol="0" anchor="ctr"/>
+          <a:lstStyle/>
+          <a:p>
+            <a:pPr algn="ctr"/>
+            <a:endParaRPr lang="en-US"/>
+          </a:p>
+        </p:txBody>
+      </p:sp>
+      <p:cxnSp>
+        <p:nvCxnSpPr>
+          <p:cNvPr id="14" name="Straight Arrow Connector 13"/>
+          <p:cNvCxnSpPr/>
+          <p:nvPr/>
+        </p:nvCxnSpPr>
+        <p:spPr>
+          <a:xfrm flipV="1">
+            <a:off x="3143630" y="1870138"/>
+            <a:ext cx="661387" cy="1"/>
+          </a:xfrm>
+          <a:prstGeom prst="straightConnector1">
+            <a:avLst/>
+          </a:prstGeom>
+          <a:ln w="38100">
+            <a:solidFill>
+              <a:schemeClr val="tx1"/>
+            </a:solidFill>
+            <a:headEnd type="triangle"/>
+            <a:tailEnd type="triangle"/>
+          </a:ln>
+        </p:spPr>
+        <p:style>
+          <a:lnRef idx="1">
+            <a:schemeClr val="accent1"/>
+          </a:lnRef>
+          <a:fillRef idx="0">
+            <a:schemeClr val="accent1"/>
+          </a:fillRef>
+          <a:effectRef idx="0">
+            <a:schemeClr val="accent1"/>
+          </a:effectRef>
+          <a:fontRef idx="minor">
+            <a:schemeClr val="tx1"/>
+          </a:fontRef>
+        </p:style>
+      </p:cxnSp>
+      <p:cxnSp>
+        <p:nvCxnSpPr>
+          <p:cNvPr id="15" name="Straight Arrow Connector 14"/>
+          <p:cNvCxnSpPr/>
+          <p:nvPr/>
+        </p:nvCxnSpPr>
+        <p:spPr>
+          <a:xfrm flipV="1">
+            <a:off x="3805017" y="3131677"/>
+            <a:ext cx="919884" cy="4972"/>
+          </a:xfrm>
+          <a:prstGeom prst="straightConnector1">
+            <a:avLst/>
+          </a:prstGeom>
+          <a:ln w="38100">
+            <a:solidFill>
+              <a:schemeClr val="tx1"/>
+            </a:solidFill>
+            <a:headEnd type="triangle"/>
+            <a:tailEnd type="triangle"/>
+          </a:ln>
+        </p:spPr>
+        <p:style>
+          <a:lnRef idx="1">
+            <a:schemeClr val="accent1"/>
+          </a:lnRef>
+          <a:fillRef idx="0">
+            <a:schemeClr val="accent1"/>
+          </a:fillRef>
+          <a:effectRef idx="0">
+            <a:schemeClr val="accent1"/>
+          </a:effectRef>
+          <a:fontRef idx="minor">
+            <a:schemeClr val="tx1"/>
+          </a:fontRef>
+        </p:style>
+      </p:cxnSp>
+      <p:sp>
+        <p:nvSpPr>
+          <p:cNvPr id="17" name="TextBox 16"/>
+          <p:cNvSpPr txBox="1"/>
+          <p:nvPr/>
+        </p:nvSpPr>
+        <p:spPr>
+          <a:xfrm>
+            <a:off x="3823942" y="3226198"/>
+            <a:ext cx="1055838" cy="400110"/>
+          </a:xfrm>
+          <a:prstGeom prst="rect">
+            <a:avLst/>
+          </a:prstGeom>
+          <a:noFill/>
+        </p:spPr>
+        <p:txBody>
+          <a:bodyPr wrap="square" rtlCol="0">
+            <a:spAutoFit/>
+          </a:bodyPr>
+          <a:lstStyle/>
+          <a:p>
+            <a:pPr algn="ctr"/>
+            <a:r>
+              <a:rPr lang="en-US" sz="1000" b="1" dirty="0" smtClean="0"/>
+              <a:t>11/8”</a:t>
+            </a:r>
+            <a:endParaRPr lang="en-US" sz="1000" b="1" dirty="0"/>
+          </a:p>
+          <a:p>
+            <a:pPr algn="ctr"/>
+            <a:r>
+              <a:rPr lang="en-US" sz="1000" dirty="0" smtClean="0"/>
+              <a:t>5/8” OD + ¾”</a:t>
+            </a:r>
+            <a:endParaRPr lang="en-US" sz="1000" dirty="0"/>
+          </a:p>
+        </p:txBody>
+      </p:sp>
+      <p:sp>
+        <p:nvSpPr>
+          <p:cNvPr id="18" name="TextBox 17"/>
+          <p:cNvSpPr txBox="1"/>
+          <p:nvPr/>
+        </p:nvSpPr>
+        <p:spPr>
+          <a:xfrm>
+            <a:off x="3026087" y="1450454"/>
+            <a:ext cx="1055838" cy="400110"/>
+          </a:xfrm>
+          <a:prstGeom prst="rect">
+            <a:avLst/>
+          </a:prstGeom>
+          <a:noFill/>
+        </p:spPr>
+        <p:txBody>
+          <a:bodyPr wrap="square" rtlCol="0">
+            <a:spAutoFit/>
+          </a:bodyPr>
+          <a:lstStyle/>
+          <a:p>
+            <a:pPr algn="ctr"/>
+            <a:r>
+              <a:rPr lang="en-US" sz="1000" b="1" dirty="0" smtClean="0"/>
+              <a:t>7/8”</a:t>
+            </a:r>
+          </a:p>
+          <a:p>
+            <a:pPr algn="ctr"/>
+            <a:r>
+              <a:rPr lang="en-US" sz="1000" dirty="0" smtClean="0"/>
+              <a:t>5/8” OD + ¼”</a:t>
+            </a:r>
+            <a:endParaRPr lang="en-US" sz="1000" dirty="0"/>
+          </a:p>
+        </p:txBody>
+      </p:sp>
+      <p:cxnSp>
+        <p:nvCxnSpPr>
+          <p:cNvPr id="19" name="Straight Arrow Connector 18"/>
+          <p:cNvCxnSpPr/>
+          <p:nvPr/>
+        </p:nvCxnSpPr>
+        <p:spPr>
+          <a:xfrm flipV="1">
+            <a:off x="4664144" y="1854280"/>
+            <a:ext cx="661387" cy="1"/>
+          </a:xfrm>
+          <a:prstGeom prst="straightConnector1">
+            <a:avLst/>
+          </a:prstGeom>
+          <a:ln w="38100">
+            <a:solidFill>
+              <a:schemeClr val="tx1"/>
+            </a:solidFill>
+            <a:headEnd type="triangle"/>
+            <a:tailEnd type="triangle"/>
+          </a:ln>
+        </p:spPr>
+        <p:style>
+          <a:lnRef idx="1">
+            <a:schemeClr val="accent1"/>
+          </a:lnRef>
+          <a:fillRef idx="0">
+            <a:schemeClr val="accent1"/>
+          </a:fillRef>
+          <a:effectRef idx="0">
+            <a:schemeClr val="accent1"/>
+          </a:effectRef>
+          <a:fontRef idx="minor">
+            <a:schemeClr val="tx1"/>
+          </a:fontRef>
+        </p:style>
+      </p:cxnSp>
+      <p:sp>
+        <p:nvSpPr>
+          <p:cNvPr id="20" name="TextBox 19"/>
+          <p:cNvSpPr txBox="1"/>
+          <p:nvPr/>
+        </p:nvSpPr>
+        <p:spPr>
+          <a:xfrm>
+            <a:off x="4546601" y="1434596"/>
+            <a:ext cx="1055838" cy="400110"/>
+          </a:xfrm>
+          <a:prstGeom prst="rect">
+            <a:avLst/>
+          </a:prstGeom>
+          <a:noFill/>
+        </p:spPr>
+        <p:txBody>
+          <a:bodyPr wrap="square" rtlCol="0">
+            <a:spAutoFit/>
+          </a:bodyPr>
+          <a:lstStyle/>
+          <a:p>
+            <a:pPr algn="ctr"/>
+            <a:r>
+              <a:rPr lang="en-US" sz="1000" b="1" dirty="0" smtClean="0"/>
+              <a:t>7/8”</a:t>
+            </a:r>
+          </a:p>
+          <a:p>
+            <a:pPr algn="ctr"/>
+            <a:r>
+              <a:rPr lang="en-US" sz="1000" dirty="0" smtClean="0"/>
+              <a:t>5/8” OD + ¼”</a:t>
+            </a:r>
+            <a:endParaRPr lang="en-US" sz="1000" dirty="0"/>
+          </a:p>
+        </p:txBody>
+      </p:sp>
+      <p:cxnSp>
+        <p:nvCxnSpPr>
+          <p:cNvPr id="21" name="Straight Arrow Connector 20"/>
+          <p:cNvCxnSpPr/>
+          <p:nvPr/>
+        </p:nvCxnSpPr>
+        <p:spPr>
+          <a:xfrm flipV="1">
+            <a:off x="6031257" y="1840324"/>
+            <a:ext cx="661387" cy="1"/>
+          </a:xfrm>
+          <a:prstGeom prst="straightConnector1">
+            <a:avLst/>
+          </a:prstGeom>
+          <a:ln w="38100">
+            <a:solidFill>
+              <a:schemeClr val="tx1"/>
+            </a:solidFill>
+            <a:headEnd type="triangle"/>
+            <a:tailEnd type="triangle"/>
+          </a:ln>
+        </p:spPr>
+        <p:style>
+          <a:lnRef idx="1">
+            <a:schemeClr val="accent1"/>
+          </a:lnRef>
+          <a:fillRef idx="0">
+            <a:schemeClr val="accent1"/>
+          </a:fillRef>
+          <a:effectRef idx="0">
+            <a:schemeClr val="accent1"/>
+          </a:effectRef>
+          <a:fontRef idx="minor">
+            <a:schemeClr val="tx1"/>
+          </a:fontRef>
+        </p:style>
+      </p:cxnSp>
+      <p:sp>
+        <p:nvSpPr>
+          <p:cNvPr id="22" name="TextBox 21"/>
+          <p:cNvSpPr txBox="1"/>
+          <p:nvPr/>
+        </p:nvSpPr>
+        <p:spPr>
+          <a:xfrm>
+            <a:off x="5913714" y="1420640"/>
+            <a:ext cx="1055838" cy="400110"/>
+          </a:xfrm>
+          <a:prstGeom prst="rect">
+            <a:avLst/>
+          </a:prstGeom>
+          <a:noFill/>
+        </p:spPr>
+        <p:txBody>
+          <a:bodyPr wrap="square" rtlCol="0">
+            <a:spAutoFit/>
+          </a:bodyPr>
+          <a:lstStyle/>
+          <a:p>
+            <a:pPr algn="ctr"/>
+            <a:r>
+              <a:rPr lang="en-US" sz="1000" b="1" dirty="0" smtClean="0"/>
+              <a:t>7/8”</a:t>
+            </a:r>
+          </a:p>
+          <a:p>
+            <a:pPr algn="ctr"/>
+            <a:r>
+              <a:rPr lang="en-US" sz="1000" dirty="0" smtClean="0"/>
+              <a:t>5/8” OD + ¼”</a:t>
+            </a:r>
+            <a:endParaRPr lang="en-US" sz="1000" dirty="0"/>
+          </a:p>
+        </p:txBody>
+      </p:sp>
+      <p:cxnSp>
+        <p:nvCxnSpPr>
+          <p:cNvPr id="23" name="Straight Arrow Connector 22"/>
+          <p:cNvCxnSpPr/>
+          <p:nvPr/>
+        </p:nvCxnSpPr>
+        <p:spPr>
+          <a:xfrm flipV="1">
+            <a:off x="5325531" y="3131677"/>
+            <a:ext cx="919884" cy="4972"/>
+          </a:xfrm>
+          <a:prstGeom prst="straightConnector1">
+            <a:avLst/>
+          </a:prstGeom>
+          <a:ln w="38100">
+            <a:solidFill>
+              <a:schemeClr val="tx1"/>
+            </a:solidFill>
+            <a:headEnd type="triangle"/>
+            <a:tailEnd type="triangle"/>
+          </a:ln>
+        </p:spPr>
+        <p:style>
+          <a:lnRef idx="1">
+            <a:schemeClr val="accent1"/>
+          </a:lnRef>
+          <a:fillRef idx="0">
+            <a:schemeClr val="accent1"/>
+          </a:fillRef>
+          <a:effectRef idx="0">
+            <a:schemeClr val="accent1"/>
+          </a:effectRef>
+          <a:fontRef idx="minor">
+            <a:schemeClr val="tx1"/>
+          </a:fontRef>
+        </p:style>
+      </p:cxnSp>
+      <p:sp>
+        <p:nvSpPr>
+          <p:cNvPr id="24" name="TextBox 23"/>
+          <p:cNvSpPr txBox="1"/>
+          <p:nvPr/>
+        </p:nvSpPr>
+        <p:spPr>
+          <a:xfrm>
+            <a:off x="5344456" y="3226198"/>
+            <a:ext cx="1055838" cy="400110"/>
+          </a:xfrm>
+          <a:prstGeom prst="rect">
+            <a:avLst/>
+          </a:prstGeom>
+          <a:noFill/>
+        </p:spPr>
+        <p:txBody>
+          <a:bodyPr wrap="square" rtlCol="0">
+            <a:spAutoFit/>
+          </a:bodyPr>
+          <a:lstStyle/>
+          <a:p>
+            <a:pPr algn="ctr"/>
+            <a:r>
+              <a:rPr lang="en-US" sz="1000" b="1" dirty="0" smtClean="0"/>
+              <a:t>11/8”</a:t>
+            </a:r>
+            <a:endParaRPr lang="en-US" sz="1000" b="1" dirty="0"/>
+          </a:p>
+          <a:p>
+            <a:pPr algn="ctr"/>
+            <a:r>
+              <a:rPr lang="en-US" sz="1000" dirty="0" smtClean="0"/>
+              <a:t>5/8” OD + ¾”</a:t>
+            </a:r>
+            <a:endParaRPr lang="en-US" sz="1000" dirty="0"/>
+          </a:p>
+        </p:txBody>
+      </p:sp>
+    </p:spTree>
+    <p:extLst>
+      <p:ext uri="{BB962C8B-B14F-4D97-AF65-F5344CB8AC3E}">
+        <p14:creationId xmlns:p14="http://schemas.microsoft.com/office/powerpoint/2010/main" val="3755291802"/>
+      </p:ext>
+    </p:extLst>
+  </p:cSld>
+  <p:clrMapOvr>
+    <a:masterClrMapping/>
+  </p:clrMapOvr>
+</p:sld>
+</file>
+
+<file path=ppt/slides/slide12.xml><?xml version="1.0" encoding="utf-8"?>
 <p:sld xmlns:a="http://schemas.openxmlformats.org/drawingml/2006/main" xmlns:r="http://schemas.openxmlformats.org/officeDocument/2006/relationships" xmlns:p="http://schemas.openxmlformats.org/presentationml/2006/main">
   <p:cSld>
     <p:spTree>
